--- a/overview.pptx
+++ b/overview.pptx
@@ -169,7 +169,7 @@
           </a:lstStyle>
           <a:p>
             <a:r>
-              <a:rPr lang="en-US" smtClean="0"/>
+              <a:rPr lang="en-US"/>
               <a:t>Click to edit Master title style</a:t>
             </a:r>
             <a:endParaRPr lang="en-US" dirty="0"/>
@@ -289,7 +289,7 @@
           </a:lstStyle>
           <a:p>
             <a:r>
-              <a:rPr lang="en-US" smtClean="0"/>
+              <a:rPr lang="en-US"/>
               <a:t>Click to edit Master subtitle style</a:t>
             </a:r>
             <a:endParaRPr lang="en-US" dirty="0"/>
@@ -313,7 +313,7 @@
           <a:p>
             <a:fld id="{88DF1DB0-A52F-4593-8448-4DE56E0EEC4F}" type="datetimeFigureOut">
               <a:rPr lang="en-US" smtClean="0"/>
-              <a:t>5/23/2020</a:t>
+              <a:t>12/7/2021</a:t>
             </a:fld>
             <a:endParaRPr lang="en-US"/>
           </a:p>
@@ -418,7 +418,7 @@
           </a:lstStyle>
           <a:p>
             <a:r>
-              <a:rPr lang="en-US" smtClean="0"/>
+              <a:rPr lang="en-US"/>
               <a:t>Click to edit Master title style</a:t>
             </a:r>
             <a:endParaRPr lang="en-US" dirty="0"/>
@@ -497,7 +497,7 @@
           </a:lstStyle>
           <a:p>
             <a:r>
-              <a:rPr lang="en-US" smtClean="0"/>
+              <a:rPr lang="en-US"/>
               <a:t>Click icon to add picture</a:t>
             </a:r>
             <a:endParaRPr lang="en-US" dirty="0"/>
@@ -565,7 +565,7 @@
           <a:p>
             <a:pPr lvl="0"/>
             <a:r>
-              <a:rPr lang="en-US" smtClean="0"/>
+              <a:rPr lang="en-US"/>
               <a:t>Click to edit Master text styles</a:t>
             </a:r>
           </a:p>
@@ -588,7 +588,7 @@
           <a:p>
             <a:fld id="{88DF1DB0-A52F-4593-8448-4DE56E0EEC4F}" type="datetimeFigureOut">
               <a:rPr lang="en-US" smtClean="0"/>
-              <a:t>5/23/2020</a:t>
+              <a:t>12/7/2021</a:t>
             </a:fld>
             <a:endParaRPr lang="en-US"/>
           </a:p>
@@ -691,7 +691,7 @@
           </a:lstStyle>
           <a:p>
             <a:r>
-              <a:rPr lang="en-US" smtClean="0"/>
+              <a:rPr lang="en-US"/>
               <a:t>Click to edit Master title style</a:t>
             </a:r>
             <a:endParaRPr lang="en-US" dirty="0"/>
@@ -759,7 +759,7 @@
           <a:p>
             <a:pPr lvl="0"/>
             <a:r>
-              <a:rPr lang="en-US" smtClean="0"/>
+              <a:rPr lang="en-US"/>
               <a:t>Click to edit Master text styles</a:t>
             </a:r>
           </a:p>
@@ -782,7 +782,7 @@
           <a:p>
             <a:fld id="{88DF1DB0-A52F-4593-8448-4DE56E0EEC4F}" type="datetimeFigureOut">
               <a:rPr lang="en-US" smtClean="0"/>
-              <a:t>5/23/2020</a:t>
+              <a:t>12/7/2021</a:t>
             </a:fld>
             <a:endParaRPr lang="en-US"/>
           </a:p>
@@ -885,7 +885,7 @@
           </a:lstStyle>
           <a:p>
             <a:r>
-              <a:rPr lang="en-US" smtClean="0"/>
+              <a:rPr lang="en-US"/>
               <a:t>Click to edit Master title style</a:t>
             </a:r>
             <a:endParaRPr lang="en-US" dirty="0"/>
@@ -965,7 +965,7 @@
               <a:buNone/>
             </a:pPr>
             <a:r>
-              <a:rPr lang="en-US" smtClean="0"/>
+              <a:rPr lang="en-US"/>
               <a:t>Click to edit Master text styles</a:t>
             </a:r>
           </a:p>
@@ -1032,7 +1032,7 @@
           <a:p>
             <a:pPr lvl="0"/>
             <a:r>
-              <a:rPr lang="en-US" smtClean="0"/>
+              <a:rPr lang="en-US"/>
               <a:t>Click to edit Master text styles</a:t>
             </a:r>
           </a:p>
@@ -1055,7 +1055,7 @@
           <a:p>
             <a:fld id="{88DF1DB0-A52F-4593-8448-4DE56E0EEC4F}" type="datetimeFigureOut">
               <a:rPr lang="en-US" smtClean="0"/>
-              <a:t>5/23/2020</a:t>
+              <a:t>12/7/2021</a:t>
             </a:fld>
             <a:endParaRPr lang="en-US"/>
           </a:p>
@@ -1252,7 +1252,7 @@
           </a:lstStyle>
           <a:p>
             <a:r>
-              <a:rPr lang="en-US" smtClean="0"/>
+              <a:rPr lang="en-US"/>
               <a:t>Click to edit Master title style</a:t>
             </a:r>
             <a:endParaRPr lang="en-US" dirty="0"/>
@@ -1373,7 +1373,7 @@
           <a:p>
             <a:pPr lvl="0"/>
             <a:r>
-              <a:rPr lang="en-US" smtClean="0"/>
+              <a:rPr lang="en-US"/>
               <a:t>Click to edit Master text styles</a:t>
             </a:r>
           </a:p>
@@ -1396,7 +1396,7 @@
           <a:p>
             <a:fld id="{88DF1DB0-A52F-4593-8448-4DE56E0EEC4F}" type="datetimeFigureOut">
               <a:rPr lang="en-US" smtClean="0"/>
-              <a:t>5/23/2020</a:t>
+              <a:t>12/7/2021</a:t>
             </a:fld>
             <a:endParaRPr lang="en-US"/>
           </a:p>
@@ -1494,7 +1494,7 @@
           </a:lstStyle>
           <a:p>
             <a:r>
-              <a:rPr lang="en-US" smtClean="0"/>
+              <a:rPr lang="en-US"/>
               <a:t>Click to edit Master title style</a:t>
             </a:r>
             <a:endParaRPr lang="en-US" dirty="0"/>
@@ -1569,7 +1569,7 @@
           <a:p>
             <a:pPr lvl="0"/>
             <a:r>
-              <a:rPr lang="en-US" smtClean="0"/>
+              <a:rPr lang="en-US"/>
               <a:t>Click to edit Master text styles</a:t>
             </a:r>
           </a:p>
@@ -1636,7 +1636,7 @@
           <a:p>
             <a:pPr lvl="0"/>
             <a:r>
-              <a:rPr lang="en-US" smtClean="0"/>
+              <a:rPr lang="en-US"/>
               <a:t>Click to edit Master text styles</a:t>
             </a:r>
           </a:p>
@@ -1710,7 +1710,7 @@
           <a:p>
             <a:pPr lvl="0"/>
             <a:r>
-              <a:rPr lang="en-US" smtClean="0"/>
+              <a:rPr lang="en-US"/>
               <a:t>Click to edit Master text styles</a:t>
             </a:r>
           </a:p>
@@ -1777,7 +1777,7 @@
           <a:p>
             <a:pPr lvl="0"/>
             <a:r>
-              <a:rPr lang="en-US" smtClean="0"/>
+              <a:rPr lang="en-US"/>
               <a:t>Click to edit Master text styles</a:t>
             </a:r>
           </a:p>
@@ -1851,7 +1851,7 @@
           <a:p>
             <a:pPr lvl="0"/>
             <a:r>
-              <a:rPr lang="en-US" smtClean="0"/>
+              <a:rPr lang="en-US"/>
               <a:t>Click to edit Master text styles</a:t>
             </a:r>
           </a:p>
@@ -1918,7 +1918,7 @@
           <a:p>
             <a:pPr lvl="0"/>
             <a:r>
-              <a:rPr lang="en-US" smtClean="0"/>
+              <a:rPr lang="en-US"/>
               <a:t>Click to edit Master text styles</a:t>
             </a:r>
           </a:p>
@@ -2019,7 +2019,7 @@
           <a:p>
             <a:fld id="{88DF1DB0-A52F-4593-8448-4DE56E0EEC4F}" type="datetimeFigureOut">
               <a:rPr lang="en-US" smtClean="0"/>
-              <a:t>5/23/2020</a:t>
+              <a:t>12/7/2021</a:t>
             </a:fld>
             <a:endParaRPr lang="en-US"/>
           </a:p>
@@ -2117,7 +2117,7 @@
           </a:lstStyle>
           <a:p>
             <a:r>
-              <a:rPr lang="en-US" smtClean="0"/>
+              <a:rPr lang="en-US"/>
               <a:t>Click to edit Master title style</a:t>
             </a:r>
             <a:endParaRPr lang="en-US" dirty="0"/>
@@ -2192,7 +2192,7 @@
           <a:p>
             <a:pPr lvl="0"/>
             <a:r>
-              <a:rPr lang="en-US" smtClean="0"/>
+              <a:rPr lang="en-US"/>
               <a:t>Click to edit Master text styles</a:t>
             </a:r>
           </a:p>
@@ -2270,7 +2270,7 @@
           </a:lstStyle>
           <a:p>
             <a:r>
-              <a:rPr lang="en-US" smtClean="0"/>
+              <a:rPr lang="en-US"/>
               <a:t>Click icon to add picture</a:t>
             </a:r>
             <a:endParaRPr lang="en-US" dirty="0"/>
@@ -2338,7 +2338,7 @@
           <a:p>
             <a:pPr lvl="0"/>
             <a:r>
-              <a:rPr lang="en-US" smtClean="0"/>
+              <a:rPr lang="en-US"/>
               <a:t>Click to edit Master text styles</a:t>
             </a:r>
           </a:p>
@@ -2412,7 +2412,7 @@
           <a:p>
             <a:pPr lvl="0"/>
             <a:r>
-              <a:rPr lang="en-US" smtClean="0"/>
+              <a:rPr lang="en-US"/>
               <a:t>Click to edit Master text styles</a:t>
             </a:r>
           </a:p>
@@ -2490,7 +2490,7 @@
           </a:lstStyle>
           <a:p>
             <a:r>
-              <a:rPr lang="en-US" smtClean="0"/>
+              <a:rPr lang="en-US"/>
               <a:t>Click icon to add picture</a:t>
             </a:r>
             <a:endParaRPr lang="en-US" dirty="0"/>
@@ -2558,7 +2558,7 @@
           <a:p>
             <a:pPr lvl="0"/>
             <a:r>
-              <a:rPr lang="en-US" smtClean="0"/>
+              <a:rPr lang="en-US"/>
               <a:t>Click to edit Master text styles</a:t>
             </a:r>
           </a:p>
@@ -2632,7 +2632,7 @@
           <a:p>
             <a:pPr lvl="0"/>
             <a:r>
-              <a:rPr lang="en-US" smtClean="0"/>
+              <a:rPr lang="en-US"/>
               <a:t>Click to edit Master text styles</a:t>
             </a:r>
           </a:p>
@@ -2710,7 +2710,7 @@
           </a:lstStyle>
           <a:p>
             <a:r>
-              <a:rPr lang="en-US" smtClean="0"/>
+              <a:rPr lang="en-US"/>
               <a:t>Click icon to add picture</a:t>
             </a:r>
             <a:endParaRPr lang="en-US" dirty="0"/>
@@ -2778,7 +2778,7 @@
           <a:p>
             <a:pPr lvl="0"/>
             <a:r>
-              <a:rPr lang="en-US" smtClean="0"/>
+              <a:rPr lang="en-US"/>
               <a:t>Click to edit Master text styles</a:t>
             </a:r>
           </a:p>
@@ -2879,7 +2879,7 @@
           <a:p>
             <a:fld id="{88DF1DB0-A52F-4593-8448-4DE56E0EEC4F}" type="datetimeFigureOut">
               <a:rPr lang="en-US" smtClean="0"/>
-              <a:t>5/23/2020</a:t>
+              <a:t>12/7/2021</a:t>
             </a:fld>
             <a:endParaRPr lang="en-US"/>
           </a:p>
@@ -2973,7 +2973,7 @@
           <a:lstStyle/>
           <a:p>
             <a:r>
-              <a:rPr lang="en-US" smtClean="0"/>
+              <a:rPr lang="en-US"/>
               <a:t>Click to edit Master title style</a:t>
             </a:r>
             <a:endParaRPr lang="en-US" dirty="0"/>
@@ -2997,35 +2997,35 @@
           <a:p>
             <a:pPr lvl="0"/>
             <a:r>
-              <a:rPr lang="en-US" smtClean="0"/>
+              <a:rPr lang="en-US"/>
               <a:t>Click to edit Master text styles</a:t>
             </a:r>
           </a:p>
           <a:p>
             <a:pPr lvl="1"/>
             <a:r>
-              <a:rPr lang="en-US" smtClean="0"/>
+              <a:rPr lang="en-US"/>
               <a:t>Second level</a:t>
             </a:r>
           </a:p>
           <a:p>
             <a:pPr lvl="2"/>
             <a:r>
-              <a:rPr lang="en-US" smtClean="0"/>
+              <a:rPr lang="en-US"/>
               <a:t>Third level</a:t>
             </a:r>
           </a:p>
           <a:p>
             <a:pPr lvl="3"/>
             <a:r>
-              <a:rPr lang="en-US" smtClean="0"/>
+              <a:rPr lang="en-US"/>
               <a:t>Fourth level</a:t>
             </a:r>
           </a:p>
           <a:p>
             <a:pPr lvl="4"/>
             <a:r>
-              <a:rPr lang="en-US" smtClean="0"/>
+              <a:rPr lang="en-US"/>
               <a:t>Fifth level</a:t>
             </a:r>
             <a:endParaRPr lang="en-US" dirty="0"/>
@@ -3049,7 +3049,7 @@
           <a:p>
             <a:fld id="{88DF1DB0-A52F-4593-8448-4DE56E0EEC4F}" type="datetimeFigureOut">
               <a:rPr lang="en-US" smtClean="0"/>
-              <a:t>5/23/2020</a:t>
+              <a:t>12/7/2021</a:t>
             </a:fld>
             <a:endParaRPr lang="en-US"/>
           </a:p>
@@ -3148,7 +3148,7 @@
           <a:lstStyle/>
           <a:p>
             <a:r>
-              <a:rPr lang="en-US" smtClean="0"/>
+              <a:rPr lang="en-US"/>
               <a:t>Click to edit Master title style</a:t>
             </a:r>
             <a:endParaRPr lang="en-US" dirty="0"/>
@@ -3177,35 +3177,35 @@
           <a:p>
             <a:pPr lvl="0"/>
             <a:r>
-              <a:rPr lang="en-US" smtClean="0"/>
+              <a:rPr lang="en-US"/>
               <a:t>Click to edit Master text styles</a:t>
             </a:r>
           </a:p>
           <a:p>
             <a:pPr lvl="1"/>
             <a:r>
-              <a:rPr lang="en-US" smtClean="0"/>
+              <a:rPr lang="en-US"/>
               <a:t>Second level</a:t>
             </a:r>
           </a:p>
           <a:p>
             <a:pPr lvl="2"/>
             <a:r>
-              <a:rPr lang="en-US" smtClean="0"/>
+              <a:rPr lang="en-US"/>
               <a:t>Third level</a:t>
             </a:r>
           </a:p>
           <a:p>
             <a:pPr lvl="3"/>
             <a:r>
-              <a:rPr lang="en-US" smtClean="0"/>
+              <a:rPr lang="en-US"/>
               <a:t>Fourth level</a:t>
             </a:r>
           </a:p>
           <a:p>
             <a:pPr lvl="4"/>
             <a:r>
-              <a:rPr lang="en-US" smtClean="0"/>
+              <a:rPr lang="en-US"/>
               <a:t>Fifth level</a:t>
             </a:r>
             <a:endParaRPr lang="en-US" dirty="0"/>
@@ -3229,7 +3229,7 @@
           <a:p>
             <a:fld id="{88DF1DB0-A52F-4593-8448-4DE56E0EEC4F}" type="datetimeFigureOut">
               <a:rPr lang="en-US" smtClean="0"/>
-              <a:t>5/23/2020</a:t>
+              <a:t>12/7/2021</a:t>
             </a:fld>
             <a:endParaRPr lang="en-US"/>
           </a:p>
@@ -3323,7 +3323,7 @@
           <a:lstStyle/>
           <a:p>
             <a:r>
-              <a:rPr lang="en-US" smtClean="0"/>
+              <a:rPr lang="en-US"/>
               <a:t>Click to edit Master title style</a:t>
             </a:r>
             <a:endParaRPr lang="en-US" dirty="0"/>
@@ -3347,35 +3347,35 @@
           <a:p>
             <a:pPr lvl="0"/>
             <a:r>
-              <a:rPr lang="en-US" smtClean="0"/>
+              <a:rPr lang="en-US"/>
               <a:t>Click to edit Master text styles</a:t>
             </a:r>
           </a:p>
           <a:p>
             <a:pPr lvl="1"/>
             <a:r>
-              <a:rPr lang="en-US" smtClean="0"/>
+              <a:rPr lang="en-US"/>
               <a:t>Second level</a:t>
             </a:r>
           </a:p>
           <a:p>
             <a:pPr lvl="2"/>
             <a:r>
-              <a:rPr lang="en-US" smtClean="0"/>
+              <a:rPr lang="en-US"/>
               <a:t>Third level</a:t>
             </a:r>
           </a:p>
           <a:p>
             <a:pPr lvl="3"/>
             <a:r>
-              <a:rPr lang="en-US" smtClean="0"/>
+              <a:rPr lang="en-US"/>
               <a:t>Fourth level</a:t>
             </a:r>
           </a:p>
           <a:p>
             <a:pPr lvl="4"/>
             <a:r>
-              <a:rPr lang="en-US" smtClean="0"/>
+              <a:rPr lang="en-US"/>
               <a:t>Fifth level</a:t>
             </a:r>
             <a:endParaRPr lang="en-US" dirty="0"/>
@@ -3399,7 +3399,7 @@
           <a:p>
             <a:fld id="{88DF1DB0-A52F-4593-8448-4DE56E0EEC4F}" type="datetimeFigureOut">
               <a:rPr lang="en-US" smtClean="0"/>
-              <a:t>5/23/2020</a:t>
+              <a:t>12/7/2021</a:t>
             </a:fld>
             <a:endParaRPr lang="en-US"/>
           </a:p>
@@ -3502,7 +3502,7 @@
           </a:lstStyle>
           <a:p>
             <a:r>
-              <a:rPr lang="en-US" smtClean="0"/>
+              <a:rPr lang="en-US"/>
               <a:t>Click to edit Master title style</a:t>
             </a:r>
             <a:endParaRPr lang="en-US" dirty="0"/>
@@ -3623,7 +3623,7 @@
           <a:p>
             <a:pPr lvl="0"/>
             <a:r>
-              <a:rPr lang="en-US" smtClean="0"/>
+              <a:rPr lang="en-US"/>
               <a:t>Click to edit Master text styles</a:t>
             </a:r>
           </a:p>
@@ -3646,7 +3646,7 @@
           <a:p>
             <a:fld id="{88DF1DB0-A52F-4593-8448-4DE56E0EEC4F}" type="datetimeFigureOut">
               <a:rPr lang="en-US" smtClean="0"/>
-              <a:t>5/23/2020</a:t>
+              <a:t>12/7/2021</a:t>
             </a:fld>
             <a:endParaRPr lang="en-US"/>
           </a:p>
@@ -3740,7 +3740,7 @@
           <a:lstStyle/>
           <a:p>
             <a:r>
-              <a:rPr lang="en-US" smtClean="0"/>
+              <a:rPr lang="en-US"/>
               <a:t>Click to edit Master title style</a:t>
             </a:r>
             <a:endParaRPr lang="en-US" dirty="0"/>
@@ -3799,35 +3799,35 @@
           <a:p>
             <a:pPr lvl="0"/>
             <a:r>
-              <a:rPr lang="en-US" smtClean="0"/>
+              <a:rPr lang="en-US"/>
               <a:t>Click to edit Master text styles</a:t>
             </a:r>
           </a:p>
           <a:p>
             <a:pPr lvl="1"/>
             <a:r>
-              <a:rPr lang="en-US" smtClean="0"/>
+              <a:rPr lang="en-US"/>
               <a:t>Second level</a:t>
             </a:r>
           </a:p>
           <a:p>
             <a:pPr lvl="2"/>
             <a:r>
-              <a:rPr lang="en-US" smtClean="0"/>
+              <a:rPr lang="en-US"/>
               <a:t>Third level</a:t>
             </a:r>
           </a:p>
           <a:p>
             <a:pPr lvl="3"/>
             <a:r>
-              <a:rPr lang="en-US" smtClean="0"/>
+              <a:rPr lang="en-US"/>
               <a:t>Fourth level</a:t>
             </a:r>
           </a:p>
           <a:p>
             <a:pPr lvl="4"/>
             <a:r>
-              <a:rPr lang="en-US" smtClean="0"/>
+              <a:rPr lang="en-US"/>
               <a:t>Fifth level</a:t>
             </a:r>
             <a:endParaRPr lang="en-US" dirty="0"/>
@@ -3886,35 +3886,35 @@
           <a:p>
             <a:pPr lvl="0"/>
             <a:r>
-              <a:rPr lang="en-US" smtClean="0"/>
+              <a:rPr lang="en-US"/>
               <a:t>Click to edit Master text styles</a:t>
             </a:r>
           </a:p>
           <a:p>
             <a:pPr lvl="1"/>
             <a:r>
-              <a:rPr lang="en-US" smtClean="0"/>
+              <a:rPr lang="en-US"/>
               <a:t>Second level</a:t>
             </a:r>
           </a:p>
           <a:p>
             <a:pPr lvl="2"/>
             <a:r>
-              <a:rPr lang="en-US" smtClean="0"/>
+              <a:rPr lang="en-US"/>
               <a:t>Third level</a:t>
             </a:r>
           </a:p>
           <a:p>
             <a:pPr lvl="3"/>
             <a:r>
-              <a:rPr lang="en-US" smtClean="0"/>
+              <a:rPr lang="en-US"/>
               <a:t>Fourth level</a:t>
             </a:r>
           </a:p>
           <a:p>
             <a:pPr lvl="4"/>
             <a:r>
-              <a:rPr lang="en-US" smtClean="0"/>
+              <a:rPr lang="en-US"/>
               <a:t>Fifth level</a:t>
             </a:r>
             <a:endParaRPr lang="en-US" dirty="0"/>
@@ -3938,7 +3938,7 @@
           <a:p>
             <a:fld id="{88DF1DB0-A52F-4593-8448-4DE56E0EEC4F}" type="datetimeFigureOut">
               <a:rPr lang="en-US" smtClean="0"/>
-              <a:t>5/23/2020</a:t>
+              <a:t>12/7/2021</a:t>
             </a:fld>
             <a:endParaRPr lang="en-US"/>
           </a:p>
@@ -4036,7 +4036,7 @@
           </a:lstStyle>
           <a:p>
             <a:r>
-              <a:rPr lang="en-US" smtClean="0"/>
+              <a:rPr lang="en-US"/>
               <a:t>Click to edit Master title style</a:t>
             </a:r>
             <a:endParaRPr lang="en-US" dirty="0"/>
@@ -4111,7 +4111,7 @@
           <a:p>
             <a:pPr lvl="0"/>
             <a:r>
-              <a:rPr lang="en-US" smtClean="0"/>
+              <a:rPr lang="en-US"/>
               <a:t>Click to edit Master text styles</a:t>
             </a:r>
           </a:p>
@@ -4169,35 +4169,35 @@
           <a:p>
             <a:pPr lvl="0"/>
             <a:r>
-              <a:rPr lang="en-US" smtClean="0"/>
+              <a:rPr lang="en-US"/>
               <a:t>Click to edit Master text styles</a:t>
             </a:r>
           </a:p>
           <a:p>
             <a:pPr lvl="1"/>
             <a:r>
-              <a:rPr lang="en-US" smtClean="0"/>
+              <a:rPr lang="en-US"/>
               <a:t>Second level</a:t>
             </a:r>
           </a:p>
           <a:p>
             <a:pPr lvl="2"/>
             <a:r>
-              <a:rPr lang="en-US" smtClean="0"/>
+              <a:rPr lang="en-US"/>
               <a:t>Third level</a:t>
             </a:r>
           </a:p>
           <a:p>
             <a:pPr lvl="3"/>
             <a:r>
-              <a:rPr lang="en-US" smtClean="0"/>
+              <a:rPr lang="en-US"/>
               <a:t>Fourth level</a:t>
             </a:r>
           </a:p>
           <a:p>
             <a:pPr lvl="4"/>
             <a:r>
-              <a:rPr lang="en-US" smtClean="0"/>
+              <a:rPr lang="en-US"/>
               <a:t>Fifth level</a:t>
             </a:r>
             <a:endParaRPr lang="en-US" dirty="0"/>
@@ -4272,7 +4272,7 @@
           <a:p>
             <a:pPr lvl="0"/>
             <a:r>
-              <a:rPr lang="en-US" smtClean="0"/>
+              <a:rPr lang="en-US"/>
               <a:t>Click to edit Master text styles</a:t>
             </a:r>
           </a:p>
@@ -4330,35 +4330,35 @@
           <a:p>
             <a:pPr lvl="0"/>
             <a:r>
-              <a:rPr lang="en-US" smtClean="0"/>
+              <a:rPr lang="en-US"/>
               <a:t>Click to edit Master text styles</a:t>
             </a:r>
           </a:p>
           <a:p>
             <a:pPr lvl="1"/>
             <a:r>
-              <a:rPr lang="en-US" smtClean="0"/>
+              <a:rPr lang="en-US"/>
               <a:t>Second level</a:t>
             </a:r>
           </a:p>
           <a:p>
             <a:pPr lvl="2"/>
             <a:r>
-              <a:rPr lang="en-US" smtClean="0"/>
+              <a:rPr lang="en-US"/>
               <a:t>Third level</a:t>
             </a:r>
           </a:p>
           <a:p>
             <a:pPr lvl="3"/>
             <a:r>
-              <a:rPr lang="en-US" smtClean="0"/>
+              <a:rPr lang="en-US"/>
               <a:t>Fourth level</a:t>
             </a:r>
           </a:p>
           <a:p>
             <a:pPr lvl="4"/>
             <a:r>
-              <a:rPr lang="en-US" smtClean="0"/>
+              <a:rPr lang="en-US"/>
               <a:t>Fifth level</a:t>
             </a:r>
             <a:endParaRPr lang="en-US" dirty="0"/>
@@ -4382,7 +4382,7 @@
           <a:p>
             <a:fld id="{88DF1DB0-A52F-4593-8448-4DE56E0EEC4F}" type="datetimeFigureOut">
               <a:rPr lang="en-US" smtClean="0"/>
-              <a:t>5/23/2020</a:t>
+              <a:t>12/7/2021</a:t>
             </a:fld>
             <a:endParaRPr lang="en-US"/>
           </a:p>
@@ -4476,7 +4476,7 @@
           <a:lstStyle/>
           <a:p>
             <a:r>
-              <a:rPr lang="en-US" smtClean="0"/>
+              <a:rPr lang="en-US"/>
               <a:t>Click to edit Master title style</a:t>
             </a:r>
             <a:endParaRPr lang="en-US" dirty="0"/>
@@ -4500,7 +4500,7 @@
           <a:p>
             <a:fld id="{88DF1DB0-A52F-4593-8448-4DE56E0EEC4F}" type="datetimeFigureOut">
               <a:rPr lang="en-US" smtClean="0"/>
-              <a:t>5/23/2020</a:t>
+              <a:t>12/7/2021</a:t>
             </a:fld>
             <a:endParaRPr lang="en-US"/>
           </a:p>
@@ -4595,7 +4595,7 @@
           <a:p>
             <a:fld id="{88DF1DB0-A52F-4593-8448-4DE56E0EEC4F}" type="datetimeFigureOut">
               <a:rPr lang="en-US" smtClean="0"/>
-              <a:t>5/23/2020</a:t>
+              <a:t>12/7/2021</a:t>
             </a:fld>
             <a:endParaRPr lang="en-US"/>
           </a:p>
@@ -4698,7 +4698,7 @@
           </a:lstStyle>
           <a:p>
             <a:r>
-              <a:rPr lang="en-US" smtClean="0"/>
+              <a:rPr lang="en-US"/>
               <a:t>Click to edit Master title style</a:t>
             </a:r>
             <a:endParaRPr lang="en-US" dirty="0"/>
@@ -4757,35 +4757,35 @@
           <a:p>
             <a:pPr lvl="0"/>
             <a:r>
-              <a:rPr lang="en-US" smtClean="0"/>
+              <a:rPr lang="en-US"/>
               <a:t>Click to edit Master text styles</a:t>
             </a:r>
           </a:p>
           <a:p>
             <a:pPr lvl="1"/>
             <a:r>
-              <a:rPr lang="en-US" smtClean="0"/>
+              <a:rPr lang="en-US"/>
               <a:t>Second level</a:t>
             </a:r>
           </a:p>
           <a:p>
             <a:pPr lvl="2"/>
             <a:r>
-              <a:rPr lang="en-US" smtClean="0"/>
+              <a:rPr lang="en-US"/>
               <a:t>Third level</a:t>
             </a:r>
           </a:p>
           <a:p>
             <a:pPr lvl="3"/>
             <a:r>
-              <a:rPr lang="en-US" smtClean="0"/>
+              <a:rPr lang="en-US"/>
               <a:t>Fourth level</a:t>
             </a:r>
           </a:p>
           <a:p>
             <a:pPr lvl="4"/>
             <a:r>
-              <a:rPr lang="en-US" smtClean="0"/>
+              <a:rPr lang="en-US"/>
               <a:t>Fifth level</a:t>
             </a:r>
             <a:endParaRPr lang="en-US" dirty="0"/>
@@ -4851,7 +4851,7 @@
           <a:p>
             <a:pPr lvl="0"/>
             <a:r>
-              <a:rPr lang="en-US" smtClean="0"/>
+              <a:rPr lang="en-US"/>
               <a:t>Click to edit Master text styles</a:t>
             </a:r>
           </a:p>
@@ -4874,7 +4874,7 @@
           <a:p>
             <a:fld id="{88DF1DB0-A52F-4593-8448-4DE56E0EEC4F}" type="datetimeFigureOut">
               <a:rPr lang="en-US" smtClean="0"/>
-              <a:t>5/23/2020</a:t>
+              <a:t>12/7/2021</a:t>
             </a:fld>
             <a:endParaRPr lang="en-US"/>
           </a:p>
@@ -4979,7 +4979,7 @@
           </a:lstStyle>
           <a:p>
             <a:r>
-              <a:rPr lang="en-US" smtClean="0"/>
+              <a:rPr lang="en-US"/>
               <a:t>Click to edit Master title style</a:t>
             </a:r>
             <a:endParaRPr lang="en-US" dirty="0"/>
@@ -5058,7 +5058,7 @@
           </a:lstStyle>
           <a:p>
             <a:r>
-              <a:rPr lang="en-US" smtClean="0"/>
+              <a:rPr lang="en-US"/>
               <a:t>Click icon to add picture</a:t>
             </a:r>
             <a:endParaRPr lang="en-US" dirty="0"/>
@@ -5126,7 +5126,7 @@
           <a:p>
             <a:pPr lvl="0"/>
             <a:r>
-              <a:rPr lang="en-US" smtClean="0"/>
+              <a:rPr lang="en-US"/>
               <a:t>Click to edit Master text styles</a:t>
             </a:r>
           </a:p>
@@ -5149,7 +5149,7 @@
           <a:p>
             <a:fld id="{88DF1DB0-A52F-4593-8448-4DE56E0EEC4F}" type="datetimeFigureOut">
               <a:rPr lang="en-US" smtClean="0"/>
-              <a:t>5/23/2020</a:t>
+              <a:t>12/7/2021</a:t>
             </a:fld>
             <a:endParaRPr lang="en-US"/>
           </a:p>
@@ -5473,7 +5473,7 @@
           <a:lstStyle/>
           <a:p>
             <a:r>
-              <a:rPr lang="en-US" smtClean="0"/>
+              <a:rPr lang="en-US"/>
               <a:t>Click to edit Master title style</a:t>
             </a:r>
             <a:endParaRPr lang="en-US" dirty="0"/>
@@ -5507,35 +5507,35 @@
           <a:p>
             <a:pPr lvl="0"/>
             <a:r>
-              <a:rPr lang="en-US" smtClean="0"/>
+              <a:rPr lang="en-US"/>
               <a:t>Click to edit Master text styles</a:t>
             </a:r>
           </a:p>
           <a:p>
             <a:pPr lvl="1"/>
             <a:r>
-              <a:rPr lang="en-US" smtClean="0"/>
+              <a:rPr lang="en-US"/>
               <a:t>Second level</a:t>
             </a:r>
           </a:p>
           <a:p>
             <a:pPr lvl="2"/>
             <a:r>
-              <a:rPr lang="en-US" smtClean="0"/>
+              <a:rPr lang="en-US"/>
               <a:t>Third level</a:t>
             </a:r>
           </a:p>
           <a:p>
             <a:pPr lvl="3"/>
             <a:r>
-              <a:rPr lang="en-US" smtClean="0"/>
+              <a:rPr lang="en-US"/>
               <a:t>Fourth level</a:t>
             </a:r>
           </a:p>
           <a:p>
             <a:pPr lvl="4"/>
             <a:r>
-              <a:rPr lang="en-US" smtClean="0"/>
+              <a:rPr lang="en-US"/>
               <a:t>Fifth level</a:t>
             </a:r>
             <a:endParaRPr lang="en-US" dirty="0"/>
@@ -5578,7 +5578,7 @@
           <a:p>
             <a:fld id="{88DF1DB0-A52F-4593-8448-4DE56E0EEC4F}" type="datetimeFigureOut">
               <a:rPr lang="en-US" smtClean="0"/>
-              <a:t>5/23/2020</a:t>
+              <a:t>12/7/2021</a:t>
             </a:fld>
             <a:endParaRPr lang="en-US"/>
           </a:p>
@@ -6130,17 +6130,16 @@
           <a:p>
             <a:pPr algn="ctr"/>
             <a:r>
-              <a:rPr lang="en-US" sz="5400" dirty="0" smtClean="0"/>
+              <a:rPr lang="en-US" sz="5400" dirty="0"/>
               <a:t>Pandemic Employee </a:t>
             </a:r>
             <a:br>
-              <a:rPr lang="en-US" sz="5400" dirty="0" smtClean="0"/>
+              <a:rPr lang="en-US" sz="5400" dirty="0"/>
             </a:br>
             <a:r>
-              <a:rPr lang="en-US" sz="5400" dirty="0" smtClean="0"/>
+              <a:rPr lang="en-US" sz="5400" dirty="0"/>
               <a:t>Status Tracker</a:t>
             </a:r>
-            <a:endParaRPr lang="en-US" sz="5400" dirty="0"/>
           </a:p>
         </p:txBody>
       </p:sp>
@@ -6196,10 +6195,9 @@
           <a:lstStyle/>
           <a:p>
             <a:r>
-              <a:rPr lang="en-US" sz="2800" dirty="0" smtClean="0"/>
+              <a:rPr lang="en-US" sz="2800" dirty="0"/>
               <a:t>Team Statistics</a:t>
             </a:r>
-            <a:endParaRPr lang="en-US" sz="2800" dirty="0"/>
           </a:p>
         </p:txBody>
       </p:sp>
@@ -6242,13 +6240,6 @@
   <p:clrMapOvr>
     <a:masterClrMapping/>
   </p:clrMapOvr>
-  <p:timing>
-    <p:tnLst>
-      <p:par>
-        <p:cTn id="1" dur="indefinite" restart="never" nodeType="tmRoot"/>
-      </p:par>
-    </p:tnLst>
-  </p:timing>
 </p:sld>
 </file>
 
@@ -6315,10 +6306,9 @@
           <a:lstStyle/>
           <a:p>
             <a:r>
-              <a:rPr lang="en-US" sz="2800" dirty="0" smtClean="0"/>
+              <a:rPr lang="en-US" sz="2800" dirty="0"/>
               <a:t>Interactive Organization Chart</a:t>
             </a:r>
-            <a:endParaRPr lang="en-US" sz="2800" dirty="0"/>
           </a:p>
         </p:txBody>
       </p:sp>
@@ -6332,13 +6322,6 @@
   <p:clrMapOvr>
     <a:masterClrMapping/>
   </p:clrMapOvr>
-  <p:timing>
-    <p:tnLst>
-      <p:par>
-        <p:cTn id="1" dur="indefinite" restart="never" nodeType="tmRoot"/>
-      </p:par>
-    </p:tnLst>
-  </p:timing>
 </p:sld>
 </file>
 
@@ -6405,10 +6388,9 @@
           <a:lstStyle/>
           <a:p>
             <a:r>
-              <a:rPr lang="en-US" sz="2800" dirty="0" smtClean="0"/>
+              <a:rPr lang="en-US" sz="2800" dirty="0"/>
               <a:t>Floor/wing wise data </a:t>
             </a:r>
-            <a:endParaRPr lang="en-US" sz="2800" dirty="0"/>
           </a:p>
         </p:txBody>
       </p:sp>
@@ -6422,13 +6404,6 @@
   <p:clrMapOvr>
     <a:masterClrMapping/>
   </p:clrMapOvr>
-  <p:timing>
-    <p:tnLst>
-      <p:par>
-        <p:cTn id="1" dur="indefinite" restart="never" nodeType="tmRoot"/>
-      </p:par>
-    </p:tnLst>
-  </p:timing>
 </p:sld>
 </file>
 
@@ -6501,7 +6476,7 @@
           <a:p>
             <a:pPr lvl="0" algn="just" fontAlgn="base"/>
             <a:r>
-              <a:rPr lang="en-US" sz="2400" dirty="0" smtClean="0"/>
+              <a:rPr lang="en-US" sz="2400" dirty="0"/>
               <a:t>The real time entry and exit of an employee inside campus and in various wings can be recorder using the RFID ID cards (if the organization has one) or through any punching system which is in place. </a:t>
             </a:r>
           </a:p>
@@ -6512,7 +6487,7 @@
           <a:p>
             <a:pPr lvl="0" algn="just" fontAlgn="base"/>
             <a:r>
-              <a:rPr lang="en-US" sz="2400" dirty="0" smtClean="0"/>
+              <a:rPr lang="en-US" sz="2400" dirty="0"/>
               <a:t>The administrator can view the floor map and where is the designated seat of the employees who are inside the campus to make sure no two employees seated consecutive.</a:t>
             </a:r>
           </a:p>
@@ -6523,10 +6498,9 @@
           <a:p>
             <a:pPr lvl="0" algn="just" fontAlgn="base"/>
             <a:r>
-              <a:rPr lang="en-US" sz="2400" dirty="0" smtClean="0"/>
+              <a:rPr lang="en-US" sz="2400" dirty="0"/>
               <a:t>It would also show the percentage of employees in each wing so that overcrowding is avoided and social distancing can be maintained</a:t>
             </a:r>
-            <a:endParaRPr lang="en-US" sz="2400" dirty="0"/>
           </a:p>
         </p:txBody>
       </p:sp>
@@ -6606,10 +6580,9 @@
           <a:lstStyle/>
           <a:p>
             <a:r>
-              <a:rPr lang="en-US" sz="2800" dirty="0" smtClean="0"/>
+              <a:rPr lang="en-US" sz="2800" dirty="0"/>
               <a:t>Floor/wing real time status</a:t>
             </a:r>
-            <a:endParaRPr lang="en-US" sz="2800" dirty="0"/>
           </a:p>
         </p:txBody>
       </p:sp>
@@ -6670,7 +6643,7 @@
               <a:buChar char="•"/>
             </a:pPr>
             <a:r>
-              <a:rPr lang="en-US" sz="2400" dirty="0" smtClean="0"/>
+              <a:rPr lang="en-US" sz="2400" dirty="0"/>
               <a:t>Web portal is ready to be deployed. </a:t>
             </a:r>
           </a:p>
@@ -6687,7 +6660,7 @@
               <a:buChar char="•"/>
             </a:pPr>
             <a:r>
-              <a:rPr lang="en-US" sz="2400" dirty="0" smtClean="0"/>
+              <a:rPr lang="en-US" sz="2400" dirty="0"/>
               <a:t>It has to be integrated with the real database of organizations.</a:t>
             </a:r>
           </a:p>
@@ -6704,14 +6677,14 @@
               <a:buChar char="•"/>
             </a:pPr>
             <a:r>
-              <a:rPr lang="en-US" sz="2400" dirty="0" smtClean="0"/>
-              <a:t>A employee scheduler is in progress, using which a manager can</a:t>
+              <a:rPr lang="en-US" sz="2400" dirty="0"/>
+              <a:t>An employee scheduler is in progress, using which a manager can</a:t>
             </a:r>
             <a:br>
-              <a:rPr lang="en-US" sz="2400" dirty="0" smtClean="0"/>
+              <a:rPr lang="en-US" sz="2400" dirty="0"/>
             </a:br>
             <a:r>
-              <a:rPr lang="en-US" sz="2400" dirty="0" smtClean="0"/>
+              <a:rPr lang="en-US" sz="2400" dirty="0"/>
               <a:t>schedule his directs into the workplace</a:t>
             </a:r>
           </a:p>
@@ -6728,7 +6701,7 @@
               <a:buChar char="•"/>
             </a:pPr>
             <a:r>
-              <a:rPr lang="en-US" sz="2400" dirty="0" smtClean="0"/>
+              <a:rPr lang="en-US" sz="2400" dirty="0"/>
               <a:t>Android and IOS application will also be released for convenience</a:t>
             </a:r>
           </a:p>
@@ -6763,10 +6736,9 @@
           <a:lstStyle/>
           <a:p>
             <a:r>
-              <a:rPr lang="en-US" sz="3600" u="sng" dirty="0" smtClean="0"/>
+              <a:rPr lang="en-US" sz="3600" u="sng" dirty="0"/>
               <a:t>Status of project</a:t>
             </a:r>
-            <a:endParaRPr lang="en-US" sz="3600" u="sng" dirty="0"/>
           </a:p>
         </p:txBody>
       </p:sp>
@@ -6822,10 +6794,9 @@
           <a:lstStyle/>
           <a:p>
             <a:r>
-              <a:rPr lang="en-US" sz="6000" dirty="0" smtClean="0"/>
+              <a:rPr lang="en-US" sz="6000" dirty="0"/>
               <a:t>Thank you</a:t>
             </a:r>
-            <a:endParaRPr lang="en-US" sz="6000" dirty="0"/>
           </a:p>
         </p:txBody>
       </p:sp>
@@ -6857,13 +6828,9 @@
             </a:pPr>
             <a:r>
               <a:rPr lang="en-US" sz="2800" dirty="0"/>
-              <a:t>Niharika </a:t>
-            </a:r>
-            <a:r>
-              <a:rPr lang="en-US" sz="2800" dirty="0" smtClean="0"/>
-              <a:t>Sinha</a:t>
-            </a:r>
-            <a:endParaRPr lang="en-US" sz="2800" dirty="0" smtClean="0">
+              <a:t>Niharika Sinha</a:t>
+            </a:r>
+            <a:endParaRPr lang="en-US" sz="2800" dirty="0">
               <a:latin typeface="+mj-lt"/>
             </a:endParaRPr>
           </a:p>
@@ -6873,7 +6840,7 @@
               <a:buChar char="•"/>
             </a:pPr>
             <a:r>
-              <a:rPr lang="en-US" sz="2800" dirty="0" smtClean="0">
+              <a:rPr lang="en-US" sz="2800" dirty="0">
                 <a:latin typeface="+mj-lt"/>
               </a:rPr>
               <a:t>Apurva Vora</a:t>
@@ -6885,7 +6852,7 @@
               <a:buChar char="•"/>
             </a:pPr>
             <a:r>
-              <a:rPr lang="en-US" sz="2800" dirty="0" smtClean="0">
+              <a:rPr lang="en-US" sz="2800" dirty="0">
                 <a:latin typeface="+mj-lt"/>
               </a:rPr>
               <a:t>Devansh Ojha</a:t>
@@ -6898,13 +6865,8 @@
             </a:pPr>
             <a:r>
               <a:rPr lang="en-US" sz="2800" dirty="0"/>
-              <a:t>Anubhav </a:t>
-            </a:r>
-            <a:r>
-              <a:rPr lang="en-US" sz="2800" dirty="0" smtClean="0"/>
-              <a:t>Apurva</a:t>
-            </a:r>
-            <a:endParaRPr lang="en-US" sz="2800" dirty="0"/>
+              <a:t>Anubhav Apurva</a:t>
+            </a:r>
           </a:p>
         </p:txBody>
       </p:sp>
@@ -7050,14 +7012,13 @@
           <a:lstStyle/>
           <a:p>
             <a:r>
-              <a:rPr lang="en-US" sz="5400" b="1" dirty="0" smtClean="0"/>
+              <a:rPr lang="en-US" sz="5400" b="1" dirty="0"/>
               <a:t>Track zones of team members</a:t>
             </a:r>
             <a:r>
-              <a:rPr lang="en-US" sz="5400" dirty="0" smtClean="0"/>
+              <a:rPr lang="en-US" sz="5400" dirty="0"/>
               <a:t> </a:t>
             </a:r>
-            <a:endParaRPr lang="en-US" sz="5400" dirty="0"/>
           </a:p>
         </p:txBody>
       </p:sp>
@@ -7143,7 +7104,7 @@
           <a:lstStyle/>
           <a:p>
             <a:r>
-              <a:rPr lang="en-US" sz="5400" b="1" dirty="0" smtClean="0"/>
+              <a:rPr lang="en-US" sz="5400" b="1" dirty="0"/>
               <a:t>Reach out to team members</a:t>
             </a:r>
             <a:endParaRPr lang="en-US" sz="5400" dirty="0"/>
@@ -7240,7 +7201,7 @@
           <a:lstStyle/>
           <a:p>
             <a:r>
-              <a:rPr lang="en-US" sz="5400" b="1" dirty="0" smtClean="0"/>
+              <a:rPr lang="en-US" sz="5400" b="1" dirty="0"/>
               <a:t>Plan phased upliftment of WFH</a:t>
             </a:r>
             <a:endParaRPr lang="en-US" sz="5400" dirty="0"/>
@@ -7275,15 +7236,7 @@
             </a:r>
             <a:r>
               <a:rPr lang="en-US" sz="2400" b="1" dirty="0"/>
-              <a:t>planning phased </a:t>
-            </a:r>
-            <a:r>
-              <a:rPr lang="en-US" sz="2400" b="1" dirty="0" smtClean="0"/>
-              <a:t>upliftment </a:t>
-            </a:r>
-            <a:r>
-              <a:rPr lang="en-US" sz="2400" b="1" dirty="0"/>
-              <a:t>of WFH</a:t>
+              <a:t>planning phased upliftment of WFH</a:t>
             </a:r>
             <a:r>
               <a:rPr lang="en-US" sz="2400" dirty="0"/>
@@ -7346,15 +7299,7 @@
           <a:p>
             <a:r>
               <a:rPr lang="en-US" sz="4900" b="1" dirty="0"/>
-              <a:t>Track mandatory </a:t>
-            </a:r>
-            <a:r>
-              <a:rPr lang="en-US" sz="4900" b="1" dirty="0" smtClean="0"/>
-              <a:t>home quarantine </a:t>
-            </a:r>
-            <a:r>
-              <a:rPr lang="en-US" sz="4900" b="1" dirty="0"/>
-              <a:t>days after coming from another State</a:t>
+              <a:t>Track mandatory home quarantine days after coming from another State</a:t>
             </a:r>
           </a:p>
         </p:txBody>
@@ -7450,13 +7395,8 @@
           <a:p>
             <a:r>
               <a:rPr lang="en-US" sz="4900" b="1" dirty="0"/>
-              <a:t>Track </a:t>
-            </a:r>
-            <a:r>
-              <a:rPr lang="en-US" sz="4900" b="1" dirty="0" smtClean="0"/>
-              <a:t>number of employees inside the campus</a:t>
-            </a:r>
-            <a:endParaRPr lang="en-US" sz="4900" b="1" dirty="0"/>
+              <a:t>Track number of employees inside the campus</a:t>
+            </a:r>
           </a:p>
         </p:txBody>
       </p:sp>
@@ -7483,10 +7423,9 @@
           <a:p>
             <a:pPr lvl="0" fontAlgn="base"/>
             <a:r>
-              <a:rPr lang="en-US" sz="2400" dirty="0" smtClean="0"/>
+              <a:rPr lang="en-US" sz="2400" dirty="0"/>
               <a:t>Once employees start to return to workplace, the Site Admin can view the real time number and percentage of employees in the campus and in the various wings.</a:t>
             </a:r>
-            <a:endParaRPr lang="en-US" sz="2400" dirty="0"/>
           </a:p>
         </p:txBody>
       </p:sp>
@@ -7569,10 +7508,9 @@
           <a:lstStyle/>
           <a:p>
             <a:r>
-              <a:rPr lang="en-US" sz="2800" dirty="0" smtClean="0"/>
+              <a:rPr lang="en-US" sz="2800" dirty="0"/>
               <a:t>Home Page for employees</a:t>
             </a:r>
-            <a:endParaRPr lang="en-US" sz="2800" dirty="0"/>
           </a:p>
         </p:txBody>
       </p:sp>
@@ -7586,13 +7524,6 @@
   <p:clrMapOvr>
     <a:masterClrMapping/>
   </p:clrMapOvr>
-  <p:timing>
-    <p:tnLst>
-      <p:par>
-        <p:cTn id="1" dur="indefinite" restart="never" nodeType="tmRoot"/>
-      </p:par>
-    </p:tnLst>
-  </p:timing>
 </p:sld>
 </file>
 
@@ -7665,10 +7596,9 @@
           <a:lstStyle/>
           <a:p>
             <a:r>
-              <a:rPr lang="en-US" sz="2800" dirty="0" smtClean="0"/>
+              <a:rPr lang="en-US" sz="2800" dirty="0"/>
               <a:t>Team Page for managers</a:t>
             </a:r>
-            <a:endParaRPr lang="en-US" sz="2800" dirty="0"/>
           </a:p>
         </p:txBody>
       </p:sp>
@@ -7682,13 +7612,6 @@
   <p:clrMapOvr>
     <a:masterClrMapping/>
   </p:clrMapOvr>
-  <p:timing>
-    <p:tnLst>
-      <p:par>
-        <p:cTn id="1" dur="indefinite" restart="never" nodeType="tmRoot"/>
-      </p:par>
-    </p:tnLst>
-  </p:timing>
 </p:sld>
 </file>
 
